--- a/Presentation/MongoDB_Project_demo 1st review.pptx
+++ b/Presentation/MongoDB_Project_demo 1st review.pptx
@@ -12349,18 +12349,7 @@
                 <a:ea typeface="Roboto"/>
                 <a:hlinkClick r:id="rId2"/>
               </a:rPr>
-              <a:t>https://github.com/LokeshDanapal/FS-Tivel-MongoDB</a:t>
-            </a:r>
-            <a:r>
-              <a:rPr lang="en-IN" sz="1600" b="1" strike="noStrike" spc="-1" dirty="0">
-                <a:solidFill>
-                  <a:srgbClr val="FFFFFF"/>
-                </a:solidFill>
-                <a:latin typeface="Arial"/>
-                <a:ea typeface="Roboto"/>
-                <a:hlinkClick r:id="rId2"/>
-              </a:rPr>
-              <a:t>           </a:t>
+              <a:t>https://github.com/LokeshDanapal/FStivel-MongoDB</a:t>
             </a:r>
             <a:endParaRPr lang="en" sz="1600" b="1" strike="noStrike" spc="-1" dirty="0">
               <a:solidFill>
